--- a/Lab 6/17.pptx
+++ b/Lab 6/17.pptx
@@ -5671,8 +5671,8 @@
         </p:nvSpPr>
         <p:spPr bwMode="auto">
           <a:xfrm>
-            <a:off x="4589848" y="1131575"/>
-            <a:ext cx="4554152" cy="5324535"/>
+            <a:off x="4211960" y="977686"/>
+            <a:ext cx="4932040" cy="5632311"/>
           </a:xfrm>
           <a:prstGeom prst="rect">
             <a:avLst/>
@@ -5767,11 +5767,33 @@
             </a:pPr>
             <a:r>
               <a:rPr lang="en-GB" sz="2000" b="1" dirty="0"/>
-              <a:t>The song and artist information </a:t>
+              <a:t>The artist information </a:t>
             </a:r>
             <a:r>
               <a:rPr lang="en-GB" sz="2000" dirty="0"/>
-              <a:t>are given on the third ring with a different colour tone;</a:t>
+              <a:t>is given on the third ring with a different colour tone;</a:t>
+            </a:r>
+          </a:p>
+          <a:p>
+            <a:pPr marL="800100" lvl="1" indent="-342900">
+              <a:buFont typeface="Arial" panose="020B0604020202020204" pitchFamily="34" charset="0"/>
+              <a:buChar char="•"/>
+            </a:pPr>
+            <a:r>
+              <a:rPr lang="en-GB" sz="2000" b="1" dirty="0"/>
+              <a:t>The song information </a:t>
+            </a:r>
+            <a:r>
+              <a:rPr lang="en-GB" sz="2000" dirty="0"/>
+              <a:t>is given on </a:t>
+            </a:r>
+            <a:r>
+              <a:rPr lang="en-GB" sz="2000"/>
+              <a:t>the fourth </a:t>
+            </a:r>
+            <a:r>
+              <a:rPr lang="en-GB" sz="2000" dirty="0"/>
+              <a:t>ring with a different colour tone;</a:t>
             </a:r>
             <a:endParaRPr lang="pt-PT" sz="2000" dirty="0"/>
           </a:p>
@@ -6812,8 +6834,8 @@
         </p:nvSpPr>
         <p:spPr bwMode="auto">
           <a:xfrm>
-            <a:off x="4589848" y="1439348"/>
-            <a:ext cx="4295384" cy="4708981"/>
+            <a:off x="4589848" y="1901012"/>
+            <a:ext cx="4295384" cy="3785652"/>
           </a:xfrm>
           <a:prstGeom prst="rect">
             <a:avLst/>
@@ -7053,58 +7075,6 @@
                 <a:schemeClr val="tx1"/>
               </a:solidFill>
               <a:effectLst/>
-            </a:endParaRPr>
-          </a:p>
-          <a:p>
-            <a:pPr marL="800100" lvl="1" indent="-342900" eaLnBrk="0" fontAlgn="base" hangingPunct="0">
-              <a:spcBef>
-                <a:spcPct val="0"/>
-              </a:spcBef>
-              <a:spcAft>
-                <a:spcPct val="0"/>
-              </a:spcAft>
-              <a:buFont typeface="Arial" panose="020B0604020202020204" pitchFamily="34" charset="0"/>
-              <a:buChar char="•"/>
-            </a:pPr>
-            <a:r>
-              <a:rPr kumimoji="0" lang="en-GB" altLang="pt-PT" sz="2000" b="1" i="0" u="none" strike="noStrike" cap="none" normalizeH="0" baseline="0" dirty="0">
-                <a:ln>
-                  <a:noFill/>
-                </a:ln>
-                <a:solidFill>
-                  <a:schemeClr val="tx1"/>
-                </a:solidFill>
-                <a:effectLst/>
-                <a:latin typeface="Calibri" panose="020F0502020204030204" pitchFamily="34" charset="0"/>
-                <a:ea typeface="DejaVu Sans Condensed"/>
-                <a:cs typeface="DejaVu Sans Condensed"/>
-              </a:rPr>
-              <a:t>Identify the countries with more streams </a:t>
-            </a:r>
-            <a:r>
-              <a:rPr kumimoji="0" lang="en-GB" altLang="pt-PT" sz="2000" b="0" i="0" u="none" strike="noStrike" cap="none" normalizeH="0" baseline="0" dirty="0">
-                <a:ln>
-                  <a:noFill/>
-                </a:ln>
-                <a:solidFill>
-                  <a:schemeClr val="tx1"/>
-                </a:solidFill>
-                <a:effectLst/>
-                <a:latin typeface="Calibri" panose="020F0502020204030204" pitchFamily="34" charset="0"/>
-                <a:ea typeface="DejaVu Sans Condensed"/>
-                <a:cs typeface="DejaVu Sans Condensed"/>
-              </a:rPr>
-              <a:t>by analysing the colour on each country</a:t>
-            </a:r>
-            <a:endParaRPr kumimoji="0" lang="en-GB" altLang="pt-PT" sz="3200" b="0" i="0" u="none" strike="noStrike" cap="none" normalizeH="0" baseline="0" dirty="0">
-              <a:ln>
-                <a:noFill/>
-              </a:ln>
-              <a:solidFill>
-                <a:schemeClr val="tx1"/>
-              </a:solidFill>
-              <a:effectLst/>
-              <a:latin typeface="Arial" panose="020B0604020202020204" pitchFamily="34" charset="0"/>
             </a:endParaRPr>
           </a:p>
         </p:txBody>
@@ -7247,8 +7217,8 @@
         </p:nvSpPr>
         <p:spPr bwMode="auto">
           <a:xfrm>
-            <a:off x="4589848" y="2054903"/>
-            <a:ext cx="4295384" cy="3477875"/>
+            <a:off x="4589848" y="1901015"/>
+            <a:ext cx="4295384" cy="3785652"/>
           </a:xfrm>
           <a:prstGeom prst="rect">
             <a:avLst/>
@@ -7332,7 +7302,7 @@
             </a:r>
             <a:r>
               <a:rPr lang="en-US" sz="2000" dirty="0"/>
-              <a:t>the line behavior</a:t>
+              <a:t>by analyzing the line behavior</a:t>
             </a:r>
             <a:endParaRPr lang="pt-PT" sz="2000" dirty="0"/>
           </a:p>
@@ -7526,8 +7496,8 @@
         </p:nvSpPr>
         <p:spPr bwMode="auto">
           <a:xfrm>
-            <a:off x="4589848" y="2054903"/>
-            <a:ext cx="4295384" cy="3477875"/>
+            <a:off x="4589848" y="1901015"/>
+            <a:ext cx="4295384" cy="3785652"/>
           </a:xfrm>
           <a:prstGeom prst="rect">
             <a:avLst/>
@@ -7611,7 +7581,7 @@
             </a:r>
             <a:r>
               <a:rPr lang="en-US" sz="2000" dirty="0"/>
-              <a:t>the line behavior</a:t>
+              <a:t>by analyzing the line behavior</a:t>
             </a:r>
             <a:endParaRPr lang="pt-PT" sz="2000" dirty="0"/>
           </a:p>

--- a/Lab 6/17.pptx
+++ b/Lab 6/17.pptx
@@ -16,17 +16,17 @@
     <p:sldId id="1112" r:id="rId4"/>
     <p:sldId id="1113" r:id="rId5"/>
     <p:sldId id="257" r:id="rId6"/>
-    <p:sldId id="1096" r:id="rId7"/>
-    <p:sldId id="1114" r:id="rId8"/>
-    <p:sldId id="1115" r:id="rId9"/>
-    <p:sldId id="1116" r:id="rId10"/>
-    <p:sldId id="1117" r:id="rId11"/>
+    <p:sldId id="1118" r:id="rId7"/>
+    <p:sldId id="1119" r:id="rId8"/>
+    <p:sldId id="1120" r:id="rId9"/>
+    <p:sldId id="1121" r:id="rId10"/>
+    <p:sldId id="1122" r:id="rId11"/>
     <p:sldId id="1097" r:id="rId12"/>
-    <p:sldId id="1118" r:id="rId13"/>
-    <p:sldId id="1119" r:id="rId14"/>
-    <p:sldId id="1120" r:id="rId15"/>
-    <p:sldId id="1121" r:id="rId16"/>
-    <p:sldId id="1122" r:id="rId17"/>
+    <p:sldId id="1096" r:id="rId13"/>
+    <p:sldId id="1114" r:id="rId14"/>
+    <p:sldId id="1115" r:id="rId15"/>
+    <p:sldId id="1116" r:id="rId16"/>
+    <p:sldId id="1117" r:id="rId17"/>
   </p:sldIdLst>
   <p:sldSz cx="9144000" cy="6858000" type="screen4x3"/>
   <p:notesSz cx="6858000" cy="9144000"/>
@@ -822,7 +822,7 @@
     </p:spTree>
     <p:extLst>
       <p:ext uri="{BB962C8B-B14F-4D97-AF65-F5344CB8AC3E}">
-        <p14:creationId xmlns:p14="http://schemas.microsoft.com/office/powerpoint/2010/main" val="2913915927"/>
+        <p14:creationId xmlns:p14="http://schemas.microsoft.com/office/powerpoint/2010/main" val="3530536291"/>
       </p:ext>
     </p:extLst>
   </p:cSld>
@@ -907,7 +907,7 @@
     </p:spTree>
     <p:extLst>
       <p:ext uri="{BB962C8B-B14F-4D97-AF65-F5344CB8AC3E}">
-        <p14:creationId xmlns:p14="http://schemas.microsoft.com/office/powerpoint/2010/main" val="1514991072"/>
+        <p14:creationId xmlns:p14="http://schemas.microsoft.com/office/powerpoint/2010/main" val="2226822466"/>
       </p:ext>
     </p:extLst>
   </p:cSld>
@@ -992,7 +992,7 @@
     </p:spTree>
     <p:extLst>
       <p:ext uri="{BB962C8B-B14F-4D97-AF65-F5344CB8AC3E}">
-        <p14:creationId xmlns:p14="http://schemas.microsoft.com/office/powerpoint/2010/main" val="403011181"/>
+        <p14:creationId xmlns:p14="http://schemas.microsoft.com/office/powerpoint/2010/main" val="2729702662"/>
       </p:ext>
     </p:extLst>
   </p:cSld>
@@ -1162,7 +1162,7 @@
     </p:spTree>
     <p:extLst>
       <p:ext uri="{BB962C8B-B14F-4D97-AF65-F5344CB8AC3E}">
-        <p14:creationId xmlns:p14="http://schemas.microsoft.com/office/powerpoint/2010/main" val="1355792998"/>
+        <p14:creationId xmlns:p14="http://schemas.microsoft.com/office/powerpoint/2010/main" val="382211860"/>
       </p:ext>
     </p:extLst>
   </p:cSld>
@@ -1247,7 +1247,7 @@
     </p:spTree>
     <p:extLst>
       <p:ext uri="{BB962C8B-B14F-4D97-AF65-F5344CB8AC3E}">
-        <p14:creationId xmlns:p14="http://schemas.microsoft.com/office/powerpoint/2010/main" val="709693841"/>
+        <p14:creationId xmlns:p14="http://schemas.microsoft.com/office/powerpoint/2010/main" val="399951232"/>
       </p:ext>
     </p:extLst>
   </p:cSld>
@@ -1332,7 +1332,7 @@
     </p:spTree>
     <p:extLst>
       <p:ext uri="{BB962C8B-B14F-4D97-AF65-F5344CB8AC3E}">
-        <p14:creationId xmlns:p14="http://schemas.microsoft.com/office/powerpoint/2010/main" val="3530536291"/>
+        <p14:creationId xmlns:p14="http://schemas.microsoft.com/office/powerpoint/2010/main" val="2913915927"/>
       </p:ext>
     </p:extLst>
   </p:cSld>
@@ -1417,7 +1417,7 @@
     </p:spTree>
     <p:extLst>
       <p:ext uri="{BB962C8B-B14F-4D97-AF65-F5344CB8AC3E}">
-        <p14:creationId xmlns:p14="http://schemas.microsoft.com/office/powerpoint/2010/main" val="2226822466"/>
+        <p14:creationId xmlns:p14="http://schemas.microsoft.com/office/powerpoint/2010/main" val="1514991072"/>
       </p:ext>
     </p:extLst>
   </p:cSld>
@@ -1502,7 +1502,7 @@
     </p:spTree>
     <p:extLst>
       <p:ext uri="{BB962C8B-B14F-4D97-AF65-F5344CB8AC3E}">
-        <p14:creationId xmlns:p14="http://schemas.microsoft.com/office/powerpoint/2010/main" val="2729702662"/>
+        <p14:creationId xmlns:p14="http://schemas.microsoft.com/office/powerpoint/2010/main" val="403011181"/>
       </p:ext>
     </p:extLst>
   </p:cSld>
@@ -1587,7 +1587,7 @@
     </p:spTree>
     <p:extLst>
       <p:ext uri="{BB962C8B-B14F-4D97-AF65-F5344CB8AC3E}">
-        <p14:creationId xmlns:p14="http://schemas.microsoft.com/office/powerpoint/2010/main" val="382211860"/>
+        <p14:creationId xmlns:p14="http://schemas.microsoft.com/office/powerpoint/2010/main" val="1355792998"/>
       </p:ext>
     </p:extLst>
   </p:cSld>
@@ -1672,7 +1672,7 @@
     </p:spTree>
     <p:extLst>
       <p:ext uri="{BB962C8B-B14F-4D97-AF65-F5344CB8AC3E}">
-        <p14:creationId xmlns:p14="http://schemas.microsoft.com/office/powerpoint/2010/main" val="399951232"/>
+        <p14:creationId xmlns:p14="http://schemas.microsoft.com/office/powerpoint/2010/main" val="709693841"/>
       </p:ext>
     </p:extLst>
   </p:cSld>
@@ -4288,8 +4288,8 @@
         </p:nvSpPr>
         <p:spPr bwMode="auto">
           <a:xfrm>
-            <a:off x="4589848" y="2516570"/>
-            <a:ext cx="4295384" cy="2554545"/>
+            <a:off x="4589848" y="3286011"/>
+            <a:ext cx="4295384" cy="1015663"/>
           </a:xfrm>
           <a:prstGeom prst="rect">
             <a:avLst/>
@@ -4353,31 +4353,12 @@
               <a:buChar char="•"/>
             </a:pPr>
             <a:r>
-              <a:rPr lang="en-US" sz="2000" b="1" dirty="0"/>
-              <a:t>Identify the most streamed artists</a:t>
-            </a:r>
-            <a:r>
-              <a:rPr lang="en-US" sz="2000" dirty="0"/>
-              <a:t> </a:t>
+              <a:rPr lang="en-GB" sz="2000" b="1" dirty="0"/>
+              <a:t>The number of streams of the artist </a:t>
             </a:r>
             <a:r>
               <a:rPr lang="en-GB" sz="2000" dirty="0"/>
-              <a:t>by comparing the sizes of different words in the cloud and locating the largest ones</a:t>
-            </a:r>
-            <a:endParaRPr lang="pt-PT" sz="2000" dirty="0"/>
-          </a:p>
-          <a:p>
-            <a:pPr marL="800100" lvl="1" indent="-342900">
-              <a:buFont typeface="Arial" panose="020B0604020202020204" pitchFamily="34" charset="0"/>
-              <a:buChar char="•"/>
-            </a:pPr>
-            <a:r>
-              <a:rPr lang="en-GB" sz="2000" b="1" dirty="0"/>
-              <a:t>Identify how many streams an artist had </a:t>
-            </a:r>
-            <a:r>
-              <a:rPr lang="en-GB" sz="2000" dirty="0"/>
-              <a:t>by hovering in its name</a:t>
+              <a:t>is given by its size.</a:t>
             </a:r>
             <a:endParaRPr lang="pt-PT" sz="2000" dirty="0"/>
           </a:p>
@@ -4421,7 +4402,7 @@
     </p:spTree>
     <p:extLst>
       <p:ext uri="{BB962C8B-B14F-4D97-AF65-F5344CB8AC3E}">
-        <p14:creationId xmlns:p14="http://schemas.microsoft.com/office/powerpoint/2010/main" val="1171589413"/>
+        <p14:creationId xmlns:p14="http://schemas.microsoft.com/office/powerpoint/2010/main" val="2134750485"/>
       </p:ext>
     </p:extLst>
   </p:cSld>
@@ -4585,12 +4566,7 @@
             <p:ph type="title"/>
           </p:nvPr>
         </p:nvSpPr>
-        <p:spPr>
-          <a:xfrm>
-            <a:off x="-32" y="-24"/>
-            <a:ext cx="9144032" cy="857256"/>
-          </a:xfrm>
-        </p:spPr>
+        <p:spPr/>
         <p:txBody>
           <a:bodyPr/>
           <a:lstStyle/>
@@ -4723,8 +4699,8 @@
         </p:nvSpPr>
         <p:spPr bwMode="auto">
           <a:xfrm>
-            <a:off x="4589848" y="2670455"/>
-            <a:ext cx="4295384" cy="2246769"/>
+            <a:off x="4589848" y="1901012"/>
+            <a:ext cx="4295384" cy="3785652"/>
           </a:xfrm>
           <a:prstGeom prst="rect">
             <a:avLst/>
@@ -4803,7 +4779,7 @@
               </a:rPr>
               <a:t>Choropleth map</a:t>
             </a:r>
-            <a:endParaRPr kumimoji="0" lang="en-US" altLang="pt-PT" sz="2000" b="0" i="0" u="none" strike="noStrike" cap="none" normalizeH="0" baseline="0" dirty="0">
+            <a:endParaRPr kumimoji="0" lang="en-US" altLang="pt-PT" sz="1200" b="0" i="0" u="none" strike="noStrike" cap="none" normalizeH="0" baseline="0" dirty="0">
               <a:ln>
                 <a:noFill/>
               </a:ln>
@@ -4814,105 +4790,164 @@
             </a:endParaRPr>
           </a:p>
           <a:p>
-            <a:pPr marL="742950" lvl="1" indent="-285750">
+            <a:pPr marL="800100" lvl="1" indent="-342900" eaLnBrk="0" fontAlgn="base" hangingPunct="0">
+              <a:spcBef>
+                <a:spcPct val="0"/>
+              </a:spcBef>
+              <a:spcAft>
+                <a:spcPct val="0"/>
+              </a:spcAft>
               <a:buFont typeface="Arial" panose="020B0604020202020204" pitchFamily="34" charset="0"/>
               <a:buChar char="•"/>
             </a:pPr>
             <a:r>
-              <a:rPr lang="en-US" sz="2000" dirty="0"/>
-              <a:t>The countries Spotify is available in are given by the colors on the map;</a:t>
-            </a:r>
-            <a:endParaRPr lang="pt-PT" sz="2000" dirty="0"/>
-          </a:p>
-          <a:p>
-            <a:pPr marL="742950" lvl="1" indent="-285750">
+              <a:rPr kumimoji="0" lang="en-GB" altLang="pt-PT" sz="2000" b="1" i="0" u="none" strike="noStrike" cap="none" normalizeH="0" baseline="0" dirty="0">
+                <a:ln>
+                  <a:noFill/>
+                </a:ln>
+                <a:solidFill>
+                  <a:schemeClr val="tx1"/>
+                </a:solidFill>
+                <a:effectLst/>
+                <a:latin typeface="Calibri" panose="020F0502020204030204" pitchFamily="34" charset="0"/>
+                <a:ea typeface="DejaVu Sans Condensed"/>
+                <a:cs typeface="DejaVu Sans Condensed"/>
+              </a:rPr>
+              <a:t>Discover the most listened songs </a:t>
+            </a:r>
+            <a:r>
+              <a:rPr kumimoji="0" lang="en-GB" altLang="pt-PT" sz="2000" b="0" i="0" u="none" strike="noStrike" cap="none" normalizeH="0" baseline="0" dirty="0">
+                <a:ln>
+                  <a:noFill/>
+                </a:ln>
+                <a:solidFill>
+                  <a:schemeClr val="tx1"/>
+                </a:solidFill>
+                <a:effectLst/>
+                <a:latin typeface="Calibri" panose="020F0502020204030204" pitchFamily="34" charset="0"/>
+                <a:ea typeface="DejaVu Sans Condensed"/>
+                <a:cs typeface="DejaVu Sans Condensed"/>
+              </a:rPr>
+              <a:t>on a given day, on a given country, by clicking in each country</a:t>
+            </a:r>
+            <a:endParaRPr kumimoji="0" lang="en-GB" altLang="pt-PT" sz="1200" b="0" i="0" u="none" strike="noStrike" cap="none" normalizeH="0" baseline="0" dirty="0">
+              <a:ln>
+                <a:noFill/>
+              </a:ln>
+              <a:solidFill>
+                <a:schemeClr val="tx1"/>
+              </a:solidFill>
+              <a:effectLst/>
+            </a:endParaRPr>
+          </a:p>
+          <a:p>
+            <a:pPr marL="800100" lvl="1" indent="-342900" eaLnBrk="0" fontAlgn="base" hangingPunct="0">
+              <a:spcBef>
+                <a:spcPct val="0"/>
+              </a:spcBef>
+              <a:spcAft>
+                <a:spcPct val="0"/>
+              </a:spcAft>
               <a:buFont typeface="Arial" panose="020B0604020202020204" pitchFamily="34" charset="0"/>
               <a:buChar char="•"/>
             </a:pPr>
             <a:r>
-              <a:rPr lang="en-US" sz="2000" dirty="0"/>
-              <a:t>The countries selected by a user are given by a different and contrast color;</a:t>
-            </a:r>
-            <a:endParaRPr lang="pt-PT" sz="2000" dirty="0"/>
-          </a:p>
-        </p:txBody>
-      </p:sp>
-      <p:pic>
-        <p:nvPicPr>
-          <p:cNvPr id="4" name="Imagem 3">
-            <a:extLst>
-              <a:ext uri="{FF2B5EF4-FFF2-40B4-BE49-F238E27FC236}">
-                <a16:creationId xmlns:a16="http://schemas.microsoft.com/office/drawing/2014/main" id="{C4A8D32F-07D8-3D48-9B79-52F2A2470A8E}"/>
-              </a:ext>
-            </a:extLst>
-          </p:cNvPr>
-          <p:cNvPicPr>
-            <a:picLocks noChangeAspect="1"/>
-          </p:cNvPicPr>
-          <p:nvPr/>
-        </p:nvPicPr>
-        <p:blipFill>
-          <a:blip r:embed="rId4">
-            <a:extLst>
-              <a:ext uri="{28A0092B-C50C-407E-A947-70E740481C1C}">
-                <a14:useLocalDpi xmlns:a14="http://schemas.microsoft.com/office/drawing/2010/main" val="0"/>
-              </a:ext>
-            </a:extLst>
-          </a:blip>
-          <a:stretch>
-            <a:fillRect/>
-          </a:stretch>
-        </p:blipFill>
-        <p:spPr>
-          <a:xfrm>
-            <a:off x="3131840" y="2852936"/>
-            <a:ext cx="833636" cy="416818"/>
-          </a:xfrm>
-          <a:prstGeom prst="rect">
-            <a:avLst/>
-          </a:prstGeom>
-        </p:spPr>
-      </p:pic>
-      <p:pic>
-        <p:nvPicPr>
-          <p:cNvPr id="9" name="Imagem 8" descr="Uma imagem com texto&#10;&#10;&#10;&#10;Descrição gerada automaticamente">
-            <a:extLst>
-              <a:ext uri="{FF2B5EF4-FFF2-40B4-BE49-F238E27FC236}">
-                <a16:creationId xmlns:a16="http://schemas.microsoft.com/office/drawing/2014/main" id="{5790AF13-E6A4-9D47-8FEA-C7BFBA60521F}"/>
-              </a:ext>
-            </a:extLst>
-          </p:cNvPr>
-          <p:cNvPicPr>
-            <a:picLocks noChangeAspect="1"/>
-          </p:cNvPicPr>
-          <p:nvPr/>
-        </p:nvPicPr>
-        <p:blipFill>
-          <a:blip r:embed="rId5">
-            <a:extLst>
-              <a:ext uri="{28A0092B-C50C-407E-A947-70E740481C1C}">
-                <a14:useLocalDpi xmlns:a14="http://schemas.microsoft.com/office/drawing/2010/main" val="0"/>
-              </a:ext>
-            </a:extLst>
-          </a:blip>
-          <a:stretch>
-            <a:fillRect/>
-          </a:stretch>
-        </p:blipFill>
-        <p:spPr>
-          <a:xfrm>
-            <a:off x="866421" y="3274298"/>
-            <a:ext cx="2393306" cy="1815356"/>
-          </a:xfrm>
-          <a:prstGeom prst="rect">
-            <a:avLst/>
-          </a:prstGeom>
-        </p:spPr>
-      </p:pic>
+              <a:rPr kumimoji="0" lang="en-GB" altLang="pt-PT" sz="2000" b="1" i="0" u="none" strike="noStrike" cap="none" normalizeH="0" baseline="0" dirty="0">
+                <a:ln>
+                  <a:noFill/>
+                </a:ln>
+                <a:solidFill>
+                  <a:schemeClr val="tx1"/>
+                </a:solidFill>
+                <a:effectLst/>
+                <a:latin typeface="Calibri" panose="020F0502020204030204" pitchFamily="34" charset="0"/>
+                <a:ea typeface="DejaVu Sans Condensed"/>
+                <a:cs typeface="DejaVu Sans Condensed"/>
+              </a:rPr>
+              <a:t>Analyse the weather conditions </a:t>
+            </a:r>
+            <a:r>
+              <a:rPr kumimoji="0" lang="en-GB" altLang="pt-PT" sz="2000" b="0" i="0" u="none" strike="noStrike" cap="none" normalizeH="0" baseline="0" dirty="0">
+                <a:ln>
+                  <a:noFill/>
+                </a:ln>
+                <a:solidFill>
+                  <a:schemeClr val="tx1"/>
+                </a:solidFill>
+                <a:effectLst/>
+                <a:latin typeface="Calibri" panose="020F0502020204030204" pitchFamily="34" charset="0"/>
+                <a:ea typeface="DejaVu Sans Condensed"/>
+                <a:cs typeface="DejaVu Sans Condensed"/>
+              </a:rPr>
+              <a:t>on a given day, on a given country, by clicking in each country</a:t>
+            </a:r>
+            <a:endParaRPr kumimoji="0" lang="en-GB" altLang="pt-PT" sz="1200" b="0" i="0" u="none" strike="noStrike" cap="none" normalizeH="0" baseline="0" dirty="0">
+              <a:ln>
+                <a:noFill/>
+              </a:ln>
+              <a:solidFill>
+                <a:schemeClr val="tx1"/>
+              </a:solidFill>
+              <a:effectLst/>
+            </a:endParaRPr>
+          </a:p>
+          <a:p>
+            <a:pPr marL="800100" lvl="1" indent="-342900" eaLnBrk="0" fontAlgn="base" hangingPunct="0">
+              <a:spcBef>
+                <a:spcPct val="0"/>
+              </a:spcBef>
+              <a:spcAft>
+                <a:spcPct val="0"/>
+              </a:spcAft>
+              <a:buFont typeface="Arial" panose="020B0604020202020204" pitchFamily="34" charset="0"/>
+              <a:buChar char="•"/>
+            </a:pPr>
+            <a:r>
+              <a:rPr kumimoji="0" lang="en-GB" altLang="pt-PT" sz="2000" b="1" i="0" u="none" strike="noStrike" cap="none" normalizeH="0" baseline="0" dirty="0">
+                <a:ln>
+                  <a:noFill/>
+                </a:ln>
+                <a:solidFill>
+                  <a:schemeClr val="tx1"/>
+                </a:solidFill>
+                <a:effectLst/>
+                <a:latin typeface="Calibri" panose="020F0502020204030204" pitchFamily="34" charset="0"/>
+                <a:ea typeface="DejaVu Sans Condensed"/>
+                <a:cs typeface="DejaVu Sans Condensed"/>
+              </a:rPr>
+              <a:t>Compare two or more countries </a:t>
+            </a:r>
+            <a:r>
+              <a:rPr kumimoji="0" lang="en-GB" altLang="pt-PT" sz="2000" b="0" i="0" u="none" strike="noStrike" cap="none" normalizeH="0" baseline="0" dirty="0">
+                <a:ln>
+                  <a:noFill/>
+                </a:ln>
+                <a:solidFill>
+                  <a:schemeClr val="tx1"/>
+                </a:solidFill>
+                <a:effectLst/>
+                <a:latin typeface="Calibri" panose="020F0502020204030204" pitchFamily="34" charset="0"/>
+                <a:ea typeface="DejaVu Sans Condensed"/>
+                <a:cs typeface="DejaVu Sans Condensed"/>
+              </a:rPr>
+              <a:t>by selecting each desired country</a:t>
+            </a:r>
+            <a:endParaRPr kumimoji="0" lang="en-GB" altLang="pt-PT" sz="1200" b="0" i="0" u="none" strike="noStrike" cap="none" normalizeH="0" baseline="0" dirty="0">
+              <a:ln>
+                <a:noFill/>
+              </a:ln>
+              <a:solidFill>
+                <a:schemeClr val="tx1"/>
+              </a:solidFill>
+              <a:effectLst/>
+            </a:endParaRPr>
+          </a:p>
+        </p:txBody>
+      </p:sp>
     </p:spTree>
     <p:extLst>
       <p:ext uri="{BB962C8B-B14F-4D97-AF65-F5344CB8AC3E}">
-        <p14:creationId xmlns:p14="http://schemas.microsoft.com/office/powerpoint/2010/main" val="2688657908"/>
+        <p14:creationId xmlns:p14="http://schemas.microsoft.com/office/powerpoint/2010/main" val="4240120593"/>
       </p:ext>
     </p:extLst>
   </p:cSld>
@@ -5047,8 +5082,8 @@
         </p:nvSpPr>
         <p:spPr bwMode="auto">
           <a:xfrm>
-            <a:off x="4589848" y="2054903"/>
-            <a:ext cx="4295384" cy="3477875"/>
+            <a:off x="4589848" y="1901015"/>
+            <a:ext cx="4295384" cy="3785652"/>
           </a:xfrm>
           <a:prstGeom prst="rect">
             <a:avLst/>
@@ -5107,62 +5142,47 @@
             <a:endParaRPr lang="pt-PT" sz="2000" dirty="0"/>
           </a:p>
           <a:p>
-            <a:pPr marL="800100" lvl="1" indent="-342900">
+            <a:pPr marL="742950" lvl="1" indent="-285750">
               <a:buFont typeface="Arial" panose="020B0604020202020204" pitchFamily="34" charset="0"/>
               <a:buChar char="•"/>
             </a:pPr>
             <a:r>
-              <a:rPr lang="en-GB" sz="2000" b="1" dirty="0"/>
-              <a:t>The number of streams </a:t>
-            </a:r>
-            <a:r>
-              <a:rPr lang="en-GB" sz="2000" dirty="0"/>
-              <a:t>is given by the height in relation to the left axis;</a:t>
+              <a:rPr lang="en-US" sz="2000" b="1" dirty="0"/>
+              <a:t>Identify the countries with more streams </a:t>
+            </a:r>
+            <a:r>
+              <a:rPr lang="en-US" sz="2000" dirty="0"/>
+              <a:t>by analyzing the highest line on the graph</a:t>
             </a:r>
             <a:endParaRPr lang="pt-PT" sz="2000" dirty="0"/>
           </a:p>
           <a:p>
-            <a:pPr marL="800100" lvl="1" indent="-342900">
+            <a:pPr marL="742950" lvl="1" indent="-285750">
               <a:buFont typeface="Arial" panose="020B0604020202020204" pitchFamily="34" charset="0"/>
               <a:buChar char="•"/>
             </a:pPr>
             <a:r>
-              <a:rPr lang="en-GB" sz="2000" b="1" dirty="0"/>
-              <a:t>The dates </a:t>
-            </a:r>
-            <a:r>
-              <a:rPr lang="en-GB" sz="2000" dirty="0"/>
-              <a:t>are given by the bottom axis;</a:t>
+              <a:rPr lang="en-US" sz="2000" b="1" dirty="0"/>
+              <a:t>Compare the streaming numbers of multiple countries by day </a:t>
+            </a:r>
+            <a:r>
+              <a:rPr lang="en-US" sz="2000" dirty="0"/>
+              <a:t>by analyzing the line behavior</a:t>
             </a:r>
             <a:endParaRPr lang="pt-PT" sz="2000" dirty="0"/>
           </a:p>
           <a:p>
-            <a:pPr marL="800100" lvl="1" indent="-342900">
+            <a:pPr marL="742950" lvl="1" indent="-285750">
               <a:buFont typeface="Arial" panose="020B0604020202020204" pitchFamily="34" charset="0"/>
               <a:buChar char="•"/>
             </a:pPr>
             <a:r>
-              <a:rPr lang="en-GB" sz="2000" b="1" dirty="0"/>
-              <a:t>The number of streams of a country on a day </a:t>
-            </a:r>
-            <a:r>
-              <a:rPr lang="en-GB" sz="2000" dirty="0"/>
-              <a:t>is given by a dot;</a:t>
-            </a:r>
-            <a:endParaRPr lang="pt-PT" sz="2000" dirty="0"/>
-          </a:p>
-          <a:p>
-            <a:pPr marL="800100" lvl="1" indent="-342900">
-              <a:buFont typeface="Arial" panose="020B0604020202020204" pitchFamily="34" charset="0"/>
-              <a:buChar char="•"/>
-            </a:pPr>
-            <a:r>
-              <a:rPr lang="en-GB" sz="2000" b="1" dirty="0"/>
-              <a:t>The difference between streams </a:t>
-            </a:r>
-            <a:r>
-              <a:rPr lang="en-GB" sz="2000" dirty="0"/>
-              <a:t>is given by each line.</a:t>
+              <a:rPr lang="en-US" sz="2000" b="1" dirty="0"/>
+              <a:t>Analyze how weather conditions influence the number of streams </a:t>
+            </a:r>
+            <a:r>
+              <a:rPr lang="en-US" sz="2000" dirty="0"/>
+              <a:t>by hovering on the dots</a:t>
             </a:r>
             <a:endParaRPr lang="pt-PT" sz="2000" dirty="0"/>
           </a:p>
@@ -5203,46 +5223,10 @@
           </a:extLst>
         </p:spPr>
       </p:pic>
-      <p:pic>
-        <p:nvPicPr>
-          <p:cNvPr id="4" name="Imagem 3">
-            <a:extLst>
-              <a:ext uri="{FF2B5EF4-FFF2-40B4-BE49-F238E27FC236}">
-                <a16:creationId xmlns:a16="http://schemas.microsoft.com/office/drawing/2014/main" id="{3871D460-6BA9-384F-A588-CBF1E11A5E66}"/>
-              </a:ext>
-            </a:extLst>
-          </p:cNvPr>
-          <p:cNvPicPr>
-            <a:picLocks noChangeAspect="1"/>
-          </p:cNvPicPr>
-          <p:nvPr/>
-        </p:nvPicPr>
-        <p:blipFill>
-          <a:blip r:embed="rId4">
-            <a:extLst>
-              <a:ext uri="{28A0092B-C50C-407E-A947-70E740481C1C}">
-                <a14:useLocalDpi xmlns:a14="http://schemas.microsoft.com/office/drawing/2010/main" val="0"/>
-              </a:ext>
-            </a:extLst>
-          </a:blip>
-          <a:stretch>
-            <a:fillRect/>
-          </a:stretch>
-        </p:blipFill>
-        <p:spPr>
-          <a:xfrm>
-            <a:off x="2987824" y="2362867"/>
-            <a:ext cx="1862351" cy="1500882"/>
-          </a:xfrm>
-          <a:prstGeom prst="rect">
-            <a:avLst/>
-          </a:prstGeom>
-        </p:spPr>
-      </p:pic>
     </p:spTree>
     <p:extLst>
       <p:ext uri="{BB962C8B-B14F-4D97-AF65-F5344CB8AC3E}">
-        <p14:creationId xmlns:p14="http://schemas.microsoft.com/office/powerpoint/2010/main" val="3493908367"/>
+        <p14:creationId xmlns:p14="http://schemas.microsoft.com/office/powerpoint/2010/main" val="3976051804"/>
       </p:ext>
     </p:extLst>
   </p:cSld>
@@ -5377,8 +5361,8 @@
         </p:nvSpPr>
         <p:spPr bwMode="auto">
           <a:xfrm>
-            <a:off x="4589848" y="2054903"/>
-            <a:ext cx="4295384" cy="3477875"/>
+            <a:off x="4589848" y="1901015"/>
+            <a:ext cx="4295384" cy="3785652"/>
           </a:xfrm>
           <a:prstGeom prst="rect">
             <a:avLst/>
@@ -5442,12 +5426,12 @@
               <a:buChar char="•"/>
             </a:pPr>
             <a:r>
-              <a:rPr lang="en-GB" sz="2000" b="1" dirty="0"/>
-              <a:t>The songs and its number of streams </a:t>
-            </a:r>
-            <a:r>
-              <a:rPr lang="en-GB" sz="2000" dirty="0"/>
-              <a:t>is given by the height in relation to the left axis;</a:t>
+              <a:rPr lang="en-US" sz="2000" b="1" dirty="0"/>
+              <a:t>Identify how songs perform by country </a:t>
+            </a:r>
+            <a:r>
+              <a:rPr lang="en-US" sz="2000" dirty="0"/>
+              <a:t>by analyzing the lines with the same color</a:t>
             </a:r>
             <a:endParaRPr lang="pt-PT" sz="2000" dirty="0"/>
           </a:p>
@@ -5457,12 +5441,12 @@
               <a:buChar char="•"/>
             </a:pPr>
             <a:r>
-              <a:rPr lang="en-GB" sz="2000" b="1" dirty="0"/>
-              <a:t>The dates </a:t>
-            </a:r>
-            <a:r>
-              <a:rPr lang="en-GB" sz="2000" dirty="0"/>
-              <a:t>are given by the bottom axis;</a:t>
+              <a:rPr lang="en-US" sz="2000" b="1" dirty="0"/>
+              <a:t>Compare the streaming numbers of multiple countries by day </a:t>
+            </a:r>
+            <a:r>
+              <a:rPr lang="en-US" sz="2000" dirty="0"/>
+              <a:t>by analyzing the line behavior</a:t>
             </a:r>
             <a:endParaRPr lang="pt-PT" sz="2000" dirty="0"/>
           </a:p>
@@ -5472,27 +5456,12 @@
               <a:buChar char="•"/>
             </a:pPr>
             <a:r>
-              <a:rPr lang="en-GB" sz="2000" b="1" dirty="0"/>
-              <a:t>The number of streams of a given song on a country and day </a:t>
-            </a:r>
-            <a:r>
-              <a:rPr lang="en-GB" sz="2000" dirty="0"/>
-              <a:t>is given by a dot;</a:t>
-            </a:r>
-            <a:endParaRPr lang="pt-PT" sz="2000" dirty="0"/>
-          </a:p>
-          <a:p>
-            <a:pPr marL="800100" lvl="1" indent="-342900">
-              <a:buFont typeface="Arial" panose="020B0604020202020204" pitchFamily="34" charset="0"/>
-              <a:buChar char="•"/>
-            </a:pPr>
-            <a:r>
-              <a:rPr lang="en-GB" sz="2000" b="1" dirty="0"/>
-              <a:t>The difference between streams </a:t>
-            </a:r>
-            <a:r>
-              <a:rPr lang="en-GB" sz="2000" dirty="0"/>
-              <a:t>is given by each line.</a:t>
+              <a:rPr lang="en-US" sz="2000" b="1" dirty="0"/>
+              <a:t>Analyze how weather conditions influence the number of streams </a:t>
+            </a:r>
+            <a:r>
+              <a:rPr lang="en-US" sz="2000" dirty="0"/>
+              <a:t>by hovering on the dots</a:t>
             </a:r>
             <a:endParaRPr lang="pt-PT" sz="2000" dirty="0"/>
           </a:p>
@@ -5536,7 +5505,7 @@
     </p:spTree>
     <p:extLst>
       <p:ext uri="{BB962C8B-B14F-4D97-AF65-F5344CB8AC3E}">
-        <p14:creationId xmlns:p14="http://schemas.microsoft.com/office/powerpoint/2010/main" val="629887573"/>
+        <p14:creationId xmlns:p14="http://schemas.microsoft.com/office/powerpoint/2010/main" val="584551992"/>
       </p:ext>
     </p:extLst>
   </p:cSld>
@@ -5671,8 +5640,8 @@
         </p:nvSpPr>
         <p:spPr bwMode="auto">
           <a:xfrm>
-            <a:off x="4211960" y="977686"/>
-            <a:ext cx="4932040" cy="5632311"/>
+            <a:off x="4589848" y="1901017"/>
+            <a:ext cx="4295384" cy="3785652"/>
           </a:xfrm>
           <a:prstGeom prst="rect">
             <a:avLst/>
@@ -5736,12 +5705,28 @@
               <a:buChar char="•"/>
             </a:pPr>
             <a:r>
-              <a:rPr lang="en-GB" sz="2000" b="1" dirty="0"/>
-              <a:t>The countries selected </a:t>
-            </a:r>
-            <a:r>
-              <a:rPr lang="en-GB" sz="2000" dirty="0"/>
-              <a:t>are given in the first ring;</a:t>
+              <a:rPr lang="en-US" sz="2000" b="1" dirty="0"/>
+              <a:t>Analyze how weather conditions influence the song ranking </a:t>
+            </a:r>
+            <a:r>
+              <a:rPr lang="en-US" sz="2000" dirty="0"/>
+              <a:t>by analyzing the 2</a:t>
+            </a:r>
+            <a:r>
+              <a:rPr lang="en-US" sz="2000" baseline="30000" dirty="0"/>
+              <a:t>nd</a:t>
+            </a:r>
+            <a:r>
+              <a:rPr lang="en-US" sz="2000" dirty="0"/>
+              <a:t> and 3</a:t>
+            </a:r>
+            <a:r>
+              <a:rPr lang="en-US" sz="2000" baseline="30000" dirty="0"/>
+              <a:t>rd</a:t>
+            </a:r>
+            <a:r>
+              <a:rPr lang="en-US" sz="2000" dirty="0"/>
+              <a:t> ring</a:t>
             </a:r>
             <a:endParaRPr lang="pt-PT" sz="2000" dirty="0"/>
           </a:p>
@@ -5751,12 +5736,12 @@
               <a:buChar char="•"/>
             </a:pPr>
             <a:r>
-              <a:rPr lang="en-GB" sz="2000" b="1" dirty="0"/>
-              <a:t>The weather conditions and its combinations </a:t>
-            </a:r>
-            <a:r>
-              <a:rPr lang="en-GB" sz="2000" dirty="0"/>
-              <a:t>are given on the second ring;</a:t>
+              <a:rPr lang="en-US" sz="2000" b="1" dirty="0"/>
+              <a:t>Identify the number of streams </a:t>
+            </a:r>
+            <a:r>
+              <a:rPr lang="en-US" sz="2000" dirty="0"/>
+              <a:t>by looking at the center of the ring</a:t>
             </a:r>
             <a:endParaRPr lang="pt-PT" sz="2000" dirty="0"/>
           </a:p>
@@ -5766,81 +5751,14 @@
               <a:buChar char="•"/>
             </a:pPr>
             <a:r>
-              <a:rPr lang="en-GB" sz="2000" b="1" dirty="0"/>
-              <a:t>The artist information </a:t>
-            </a:r>
-            <a:r>
-              <a:rPr lang="en-GB" sz="2000" dirty="0"/>
-              <a:t>is given on the third ring with a different colour tone;</a:t>
-            </a:r>
-          </a:p>
-          <a:p>
-            <a:pPr marL="800100" lvl="1" indent="-342900">
-              <a:buFont typeface="Arial" panose="020B0604020202020204" pitchFamily="34" charset="0"/>
-              <a:buChar char="•"/>
-            </a:pPr>
-            <a:r>
-              <a:rPr lang="en-GB" sz="2000" b="1" dirty="0"/>
-              <a:t>The song information </a:t>
-            </a:r>
-            <a:r>
-              <a:rPr lang="en-GB" sz="2000" dirty="0"/>
-              <a:t>is given on </a:t>
-            </a:r>
-            <a:r>
-              <a:rPr lang="en-GB" sz="2000"/>
-              <a:t>the fourth </a:t>
-            </a:r>
-            <a:r>
-              <a:rPr lang="en-GB" sz="2000" dirty="0"/>
-              <a:t>ring with a different colour tone;</a:t>
-            </a:r>
-            <a:endParaRPr lang="pt-PT" sz="2000" dirty="0"/>
-          </a:p>
-          <a:p>
-            <a:pPr marL="800100" lvl="1" indent="-342900">
-              <a:buFont typeface="Arial" panose="020B0604020202020204" pitchFamily="34" charset="0"/>
-              <a:buChar char="•"/>
-            </a:pPr>
-            <a:r>
-              <a:rPr lang="en-GB" sz="2000" b="1" dirty="0"/>
-              <a:t>The total number of streams </a:t>
-            </a:r>
-            <a:r>
-              <a:rPr lang="en-GB" sz="2000" dirty="0"/>
-              <a:t>is given on the centre of the sunburst;</a:t>
-            </a:r>
-            <a:endParaRPr lang="pt-PT" sz="2000" dirty="0"/>
-          </a:p>
-          <a:p>
-            <a:pPr marL="800100" lvl="1" indent="-342900">
-              <a:buFont typeface="Arial" panose="020B0604020202020204" pitchFamily="34" charset="0"/>
-              <a:buChar char="•"/>
-            </a:pPr>
-            <a:r>
-              <a:rPr lang="en-GB" sz="2000" b="1" dirty="0"/>
-              <a:t>The given data of each country </a:t>
-            </a:r>
-            <a:r>
-              <a:rPr lang="en-GB" sz="2000" dirty="0"/>
-              <a:t>is given by one different colour tone;</a:t>
-            </a:r>
-            <a:endParaRPr lang="pt-PT" sz="2000" dirty="0"/>
-          </a:p>
-          <a:p>
-            <a:pPr marL="800100" lvl="1" indent="-342900">
-              <a:buFont typeface="Arial" panose="020B0604020202020204" pitchFamily="34" charset="0"/>
-              <a:buChar char="•"/>
-            </a:pPr>
-            <a:r>
-              <a:rPr lang="en-GB" sz="2000" b="1" dirty="0"/>
-              <a:t>The given data of each weather condition </a:t>
-            </a:r>
-            <a:r>
-              <a:rPr lang="en-GB" sz="2000" dirty="0"/>
-              <a:t>is given by one different colour tone;</a:t>
-            </a:r>
-            <a:endParaRPr lang="pt-PT" sz="2000" dirty="0"/>
+              <a:rPr lang="en-US" sz="2000" b="1" dirty="0"/>
+              <a:t>Discover the most listened songs given a weather condition </a:t>
+            </a:r>
+            <a:r>
+              <a:rPr lang="en-US" sz="2000" dirty="0"/>
+              <a:t>by clicking in the desired weather condition</a:t>
+            </a:r>
+            <a:endParaRPr lang="pt-PT" sz="2400" dirty="0"/>
           </a:p>
         </p:txBody>
       </p:sp>
@@ -5882,7 +5800,7 @@
     </p:spTree>
     <p:extLst>
       <p:ext uri="{BB962C8B-B14F-4D97-AF65-F5344CB8AC3E}">
-        <p14:creationId xmlns:p14="http://schemas.microsoft.com/office/powerpoint/2010/main" val="1491081717"/>
+        <p14:creationId xmlns:p14="http://schemas.microsoft.com/office/powerpoint/2010/main" val="1261075322"/>
       </p:ext>
     </p:extLst>
   </p:cSld>
@@ -6017,8 +5935,8 @@
         </p:nvSpPr>
         <p:spPr bwMode="auto">
           <a:xfrm>
-            <a:off x="4589848" y="3286011"/>
-            <a:ext cx="4295384" cy="1015663"/>
+            <a:off x="4589848" y="2516570"/>
+            <a:ext cx="4295384" cy="2554545"/>
           </a:xfrm>
           <a:prstGeom prst="rect">
             <a:avLst/>
@@ -6082,12 +6000,31 @@
               <a:buChar char="•"/>
             </a:pPr>
             <a:r>
+              <a:rPr lang="en-US" sz="2000" b="1" dirty="0"/>
+              <a:t>Identify the most streamed artists</a:t>
+            </a:r>
+            <a:r>
+              <a:rPr lang="en-US" sz="2000" dirty="0"/>
+              <a:t> </a:t>
+            </a:r>
+            <a:r>
+              <a:rPr lang="en-GB" sz="2000" dirty="0"/>
+              <a:t>by comparing the sizes of different words in the cloud and locating the largest ones</a:t>
+            </a:r>
+            <a:endParaRPr lang="pt-PT" sz="2000" dirty="0"/>
+          </a:p>
+          <a:p>
+            <a:pPr marL="800100" lvl="1" indent="-342900">
+              <a:buFont typeface="Arial" panose="020B0604020202020204" pitchFamily="34" charset="0"/>
+              <a:buChar char="•"/>
+            </a:pPr>
+            <a:r>
               <a:rPr lang="en-GB" sz="2000" b="1" dirty="0"/>
-              <a:t>The number of streams of the artist </a:t>
+              <a:t>Identify how many streams an artist had </a:t>
             </a:r>
             <a:r>
               <a:rPr lang="en-GB" sz="2000" dirty="0"/>
-              <a:t>is given by its size.</a:t>
+              <a:t>by hovering in its name</a:t>
             </a:r>
             <a:endParaRPr lang="pt-PT" sz="2000" dirty="0"/>
           </a:p>
@@ -6131,7 +6068,7 @@
     </p:spTree>
     <p:extLst>
       <p:ext uri="{BB962C8B-B14F-4D97-AF65-F5344CB8AC3E}">
-        <p14:creationId xmlns:p14="http://schemas.microsoft.com/office/powerpoint/2010/main" val="2134750485"/>
+        <p14:creationId xmlns:p14="http://schemas.microsoft.com/office/powerpoint/2010/main" val="1171589413"/>
       </p:ext>
     </p:extLst>
   </p:cSld>
@@ -6701,7 +6638,12 @@
             <p:ph type="title"/>
           </p:nvPr>
         </p:nvSpPr>
-        <p:spPr/>
+        <p:spPr>
+          <a:xfrm>
+            <a:off x="-32" y="-24"/>
+            <a:ext cx="9144032" cy="857256"/>
+          </a:xfrm>
+        </p:spPr>
         <p:txBody>
           <a:bodyPr/>
           <a:lstStyle/>
@@ -6834,8 +6776,8 @@
         </p:nvSpPr>
         <p:spPr bwMode="auto">
           <a:xfrm>
-            <a:off x="4589848" y="1901012"/>
-            <a:ext cx="4295384" cy="3785652"/>
+            <a:off x="4589848" y="2670455"/>
+            <a:ext cx="4295384" cy="2246769"/>
           </a:xfrm>
           <a:prstGeom prst="rect">
             <a:avLst/>
@@ -6914,7 +6856,7 @@
               </a:rPr>
               <a:t>Choropleth map</a:t>
             </a:r>
-            <a:endParaRPr kumimoji="0" lang="en-US" altLang="pt-PT" sz="1200" b="0" i="0" u="none" strike="noStrike" cap="none" normalizeH="0" baseline="0" dirty="0">
+            <a:endParaRPr kumimoji="0" lang="en-US" altLang="pt-PT" sz="2000" b="0" i="0" u="none" strike="noStrike" cap="none" normalizeH="0" baseline="0" dirty="0">
               <a:ln>
                 <a:noFill/>
               </a:ln>
@@ -6925,164 +6867,105 @@
             </a:endParaRPr>
           </a:p>
           <a:p>
-            <a:pPr marL="800100" lvl="1" indent="-342900" eaLnBrk="0" fontAlgn="base" hangingPunct="0">
-              <a:spcBef>
-                <a:spcPct val="0"/>
-              </a:spcBef>
-              <a:spcAft>
-                <a:spcPct val="0"/>
-              </a:spcAft>
+            <a:pPr marL="742950" lvl="1" indent="-285750">
               <a:buFont typeface="Arial" panose="020B0604020202020204" pitchFamily="34" charset="0"/>
               <a:buChar char="•"/>
             </a:pPr>
             <a:r>
-              <a:rPr kumimoji="0" lang="en-GB" altLang="pt-PT" sz="2000" b="1" i="0" u="none" strike="noStrike" cap="none" normalizeH="0" baseline="0" dirty="0">
-                <a:ln>
-                  <a:noFill/>
-                </a:ln>
-                <a:solidFill>
-                  <a:schemeClr val="tx1"/>
-                </a:solidFill>
-                <a:effectLst/>
-                <a:latin typeface="Calibri" panose="020F0502020204030204" pitchFamily="34" charset="0"/>
-                <a:ea typeface="DejaVu Sans Condensed"/>
-                <a:cs typeface="DejaVu Sans Condensed"/>
-              </a:rPr>
-              <a:t>Discover the most listened songs </a:t>
-            </a:r>
-            <a:r>
-              <a:rPr kumimoji="0" lang="en-GB" altLang="pt-PT" sz="2000" b="0" i="0" u="none" strike="noStrike" cap="none" normalizeH="0" baseline="0" dirty="0">
-                <a:ln>
-                  <a:noFill/>
-                </a:ln>
-                <a:solidFill>
-                  <a:schemeClr val="tx1"/>
-                </a:solidFill>
-                <a:effectLst/>
-                <a:latin typeface="Calibri" panose="020F0502020204030204" pitchFamily="34" charset="0"/>
-                <a:ea typeface="DejaVu Sans Condensed"/>
-                <a:cs typeface="DejaVu Sans Condensed"/>
-              </a:rPr>
-              <a:t>on a given day, on a given country, by clicking in each country</a:t>
-            </a:r>
-            <a:endParaRPr kumimoji="0" lang="en-GB" altLang="pt-PT" sz="1200" b="0" i="0" u="none" strike="noStrike" cap="none" normalizeH="0" baseline="0" dirty="0">
-              <a:ln>
-                <a:noFill/>
-              </a:ln>
-              <a:solidFill>
-                <a:schemeClr val="tx1"/>
-              </a:solidFill>
-              <a:effectLst/>
-            </a:endParaRPr>
-          </a:p>
-          <a:p>
-            <a:pPr marL="800100" lvl="1" indent="-342900" eaLnBrk="0" fontAlgn="base" hangingPunct="0">
-              <a:spcBef>
-                <a:spcPct val="0"/>
-              </a:spcBef>
-              <a:spcAft>
-                <a:spcPct val="0"/>
-              </a:spcAft>
+              <a:rPr lang="en-US" sz="2000" dirty="0"/>
+              <a:t>The countries Spotify is available in are given by the colors on the map;</a:t>
+            </a:r>
+            <a:endParaRPr lang="pt-PT" sz="2000" dirty="0"/>
+          </a:p>
+          <a:p>
+            <a:pPr marL="742950" lvl="1" indent="-285750">
               <a:buFont typeface="Arial" panose="020B0604020202020204" pitchFamily="34" charset="0"/>
               <a:buChar char="•"/>
             </a:pPr>
             <a:r>
-              <a:rPr kumimoji="0" lang="en-GB" altLang="pt-PT" sz="2000" b="1" i="0" u="none" strike="noStrike" cap="none" normalizeH="0" baseline="0" dirty="0">
-                <a:ln>
-                  <a:noFill/>
-                </a:ln>
-                <a:solidFill>
-                  <a:schemeClr val="tx1"/>
-                </a:solidFill>
-                <a:effectLst/>
-                <a:latin typeface="Calibri" panose="020F0502020204030204" pitchFamily="34" charset="0"/>
-                <a:ea typeface="DejaVu Sans Condensed"/>
-                <a:cs typeface="DejaVu Sans Condensed"/>
-              </a:rPr>
-              <a:t>Analyse the weather conditions </a:t>
-            </a:r>
-            <a:r>
-              <a:rPr kumimoji="0" lang="en-GB" altLang="pt-PT" sz="2000" b="0" i="0" u="none" strike="noStrike" cap="none" normalizeH="0" baseline="0" dirty="0">
-                <a:ln>
-                  <a:noFill/>
-                </a:ln>
-                <a:solidFill>
-                  <a:schemeClr val="tx1"/>
-                </a:solidFill>
-                <a:effectLst/>
-                <a:latin typeface="Calibri" panose="020F0502020204030204" pitchFamily="34" charset="0"/>
-                <a:ea typeface="DejaVu Sans Condensed"/>
-                <a:cs typeface="DejaVu Sans Condensed"/>
-              </a:rPr>
-              <a:t>on a given day, on a given country, by clicking in each country</a:t>
-            </a:r>
-            <a:endParaRPr kumimoji="0" lang="en-GB" altLang="pt-PT" sz="1200" b="0" i="0" u="none" strike="noStrike" cap="none" normalizeH="0" baseline="0" dirty="0">
-              <a:ln>
-                <a:noFill/>
-              </a:ln>
-              <a:solidFill>
-                <a:schemeClr val="tx1"/>
-              </a:solidFill>
-              <a:effectLst/>
-            </a:endParaRPr>
-          </a:p>
-          <a:p>
-            <a:pPr marL="800100" lvl="1" indent="-342900" eaLnBrk="0" fontAlgn="base" hangingPunct="0">
-              <a:spcBef>
-                <a:spcPct val="0"/>
-              </a:spcBef>
-              <a:spcAft>
-                <a:spcPct val="0"/>
-              </a:spcAft>
-              <a:buFont typeface="Arial" panose="020B0604020202020204" pitchFamily="34" charset="0"/>
-              <a:buChar char="•"/>
-            </a:pPr>
-            <a:r>
-              <a:rPr kumimoji="0" lang="en-GB" altLang="pt-PT" sz="2000" b="1" i="0" u="none" strike="noStrike" cap="none" normalizeH="0" baseline="0" dirty="0">
-                <a:ln>
-                  <a:noFill/>
-                </a:ln>
-                <a:solidFill>
-                  <a:schemeClr val="tx1"/>
-                </a:solidFill>
-                <a:effectLst/>
-                <a:latin typeface="Calibri" panose="020F0502020204030204" pitchFamily="34" charset="0"/>
-                <a:ea typeface="DejaVu Sans Condensed"/>
-                <a:cs typeface="DejaVu Sans Condensed"/>
-              </a:rPr>
-              <a:t>Compare two or more countries </a:t>
-            </a:r>
-            <a:r>
-              <a:rPr kumimoji="0" lang="en-GB" altLang="pt-PT" sz="2000" b="0" i="0" u="none" strike="noStrike" cap="none" normalizeH="0" baseline="0" dirty="0">
-                <a:ln>
-                  <a:noFill/>
-                </a:ln>
-                <a:solidFill>
-                  <a:schemeClr val="tx1"/>
-                </a:solidFill>
-                <a:effectLst/>
-                <a:latin typeface="Calibri" panose="020F0502020204030204" pitchFamily="34" charset="0"/>
-                <a:ea typeface="DejaVu Sans Condensed"/>
-                <a:cs typeface="DejaVu Sans Condensed"/>
-              </a:rPr>
-              <a:t>by selecting each desired country</a:t>
-            </a:r>
-            <a:endParaRPr kumimoji="0" lang="en-GB" altLang="pt-PT" sz="1200" b="0" i="0" u="none" strike="noStrike" cap="none" normalizeH="0" baseline="0" dirty="0">
-              <a:ln>
-                <a:noFill/>
-              </a:ln>
-              <a:solidFill>
-                <a:schemeClr val="tx1"/>
-              </a:solidFill>
-              <a:effectLst/>
-            </a:endParaRPr>
-          </a:p>
-        </p:txBody>
-      </p:sp>
+              <a:rPr lang="en-US" sz="2000" dirty="0"/>
+              <a:t>The countries selected by a user are given by a different and contrast color;</a:t>
+            </a:r>
+            <a:endParaRPr lang="pt-PT" sz="2000" dirty="0"/>
+          </a:p>
+        </p:txBody>
+      </p:sp>
+      <p:pic>
+        <p:nvPicPr>
+          <p:cNvPr id="4" name="Imagem 3">
+            <a:extLst>
+              <a:ext uri="{FF2B5EF4-FFF2-40B4-BE49-F238E27FC236}">
+                <a16:creationId xmlns:a16="http://schemas.microsoft.com/office/drawing/2014/main" id="{C4A8D32F-07D8-3D48-9B79-52F2A2470A8E}"/>
+              </a:ext>
+            </a:extLst>
+          </p:cNvPr>
+          <p:cNvPicPr>
+            <a:picLocks noChangeAspect="1"/>
+          </p:cNvPicPr>
+          <p:nvPr/>
+        </p:nvPicPr>
+        <p:blipFill>
+          <a:blip r:embed="rId4">
+            <a:extLst>
+              <a:ext uri="{28A0092B-C50C-407E-A947-70E740481C1C}">
+                <a14:useLocalDpi xmlns:a14="http://schemas.microsoft.com/office/drawing/2010/main" val="0"/>
+              </a:ext>
+            </a:extLst>
+          </a:blip>
+          <a:stretch>
+            <a:fillRect/>
+          </a:stretch>
+        </p:blipFill>
+        <p:spPr>
+          <a:xfrm>
+            <a:off x="3131840" y="2852936"/>
+            <a:ext cx="833636" cy="416818"/>
+          </a:xfrm>
+          <a:prstGeom prst="rect">
+            <a:avLst/>
+          </a:prstGeom>
+        </p:spPr>
+      </p:pic>
+      <p:pic>
+        <p:nvPicPr>
+          <p:cNvPr id="9" name="Imagem 8" descr="Uma imagem com texto&#10;&#10;&#10;&#10;Descrição gerada automaticamente">
+            <a:extLst>
+              <a:ext uri="{FF2B5EF4-FFF2-40B4-BE49-F238E27FC236}">
+                <a16:creationId xmlns:a16="http://schemas.microsoft.com/office/drawing/2014/main" id="{5790AF13-E6A4-9D47-8FEA-C7BFBA60521F}"/>
+              </a:ext>
+            </a:extLst>
+          </p:cNvPr>
+          <p:cNvPicPr>
+            <a:picLocks noChangeAspect="1"/>
+          </p:cNvPicPr>
+          <p:nvPr/>
+        </p:nvPicPr>
+        <p:blipFill>
+          <a:blip r:embed="rId5">
+            <a:extLst>
+              <a:ext uri="{28A0092B-C50C-407E-A947-70E740481C1C}">
+                <a14:useLocalDpi xmlns:a14="http://schemas.microsoft.com/office/drawing/2010/main" val="0"/>
+              </a:ext>
+            </a:extLst>
+          </a:blip>
+          <a:stretch>
+            <a:fillRect/>
+          </a:stretch>
+        </p:blipFill>
+        <p:spPr>
+          <a:xfrm>
+            <a:off x="866421" y="3274298"/>
+            <a:ext cx="2393306" cy="1815356"/>
+          </a:xfrm>
+          <a:prstGeom prst="rect">
+            <a:avLst/>
+          </a:prstGeom>
+        </p:spPr>
+      </p:pic>
     </p:spTree>
     <p:extLst>
       <p:ext uri="{BB962C8B-B14F-4D97-AF65-F5344CB8AC3E}">
-        <p14:creationId xmlns:p14="http://schemas.microsoft.com/office/powerpoint/2010/main" val="4240120593"/>
+        <p14:creationId xmlns:p14="http://schemas.microsoft.com/office/powerpoint/2010/main" val="2688657908"/>
       </p:ext>
     </p:extLst>
   </p:cSld>
@@ -7217,8 +7100,8 @@
         </p:nvSpPr>
         <p:spPr bwMode="auto">
           <a:xfrm>
-            <a:off x="4589848" y="1901015"/>
-            <a:ext cx="4295384" cy="3785652"/>
+            <a:off x="4589848" y="2054903"/>
+            <a:ext cx="4295384" cy="3477875"/>
           </a:xfrm>
           <a:prstGeom prst="rect">
             <a:avLst/>
@@ -7277,47 +7160,62 @@
             <a:endParaRPr lang="pt-PT" sz="2000" dirty="0"/>
           </a:p>
           <a:p>
-            <a:pPr marL="742950" lvl="1" indent="-285750">
+            <a:pPr marL="800100" lvl="1" indent="-342900">
               <a:buFont typeface="Arial" panose="020B0604020202020204" pitchFamily="34" charset="0"/>
               <a:buChar char="•"/>
             </a:pPr>
             <a:r>
-              <a:rPr lang="en-US" sz="2000" b="1" dirty="0"/>
-              <a:t>Identify the countries with more streams </a:t>
-            </a:r>
-            <a:r>
-              <a:rPr lang="en-US" sz="2000" dirty="0"/>
-              <a:t>by analyzing the highest line on the graph</a:t>
+              <a:rPr lang="en-GB" sz="2000" b="1" dirty="0"/>
+              <a:t>The number of streams </a:t>
+            </a:r>
+            <a:r>
+              <a:rPr lang="en-GB" sz="2000" dirty="0"/>
+              <a:t>is given by the height in relation to the left axis;</a:t>
             </a:r>
             <a:endParaRPr lang="pt-PT" sz="2000" dirty="0"/>
           </a:p>
           <a:p>
-            <a:pPr marL="742950" lvl="1" indent="-285750">
+            <a:pPr marL="800100" lvl="1" indent="-342900">
               <a:buFont typeface="Arial" panose="020B0604020202020204" pitchFamily="34" charset="0"/>
               <a:buChar char="•"/>
             </a:pPr>
             <a:r>
-              <a:rPr lang="en-US" sz="2000" b="1" dirty="0"/>
-              <a:t>Compare the streaming numbers of multiple countries by day </a:t>
-            </a:r>
-            <a:r>
-              <a:rPr lang="en-US" sz="2000" dirty="0"/>
-              <a:t>by analyzing the line behavior</a:t>
+              <a:rPr lang="en-GB" sz="2000" b="1" dirty="0"/>
+              <a:t>The dates </a:t>
+            </a:r>
+            <a:r>
+              <a:rPr lang="en-GB" sz="2000" dirty="0"/>
+              <a:t>are given by the bottom axis;</a:t>
             </a:r>
             <a:endParaRPr lang="pt-PT" sz="2000" dirty="0"/>
           </a:p>
           <a:p>
-            <a:pPr marL="742950" lvl="1" indent="-285750">
+            <a:pPr marL="800100" lvl="1" indent="-342900">
               <a:buFont typeface="Arial" panose="020B0604020202020204" pitchFamily="34" charset="0"/>
               <a:buChar char="•"/>
             </a:pPr>
             <a:r>
-              <a:rPr lang="en-US" sz="2000" b="1" dirty="0"/>
-              <a:t>Analyze how weather conditions influence the number of streams </a:t>
-            </a:r>
-            <a:r>
-              <a:rPr lang="en-US" sz="2000" dirty="0"/>
-              <a:t>by hovering on the dots</a:t>
+              <a:rPr lang="en-GB" sz="2000" b="1" dirty="0"/>
+              <a:t>The number of streams of a country on a day </a:t>
+            </a:r>
+            <a:r>
+              <a:rPr lang="en-GB" sz="2000" dirty="0"/>
+              <a:t>is given by a dot;</a:t>
+            </a:r>
+            <a:endParaRPr lang="pt-PT" sz="2000" dirty="0"/>
+          </a:p>
+          <a:p>
+            <a:pPr marL="800100" lvl="1" indent="-342900">
+              <a:buFont typeface="Arial" panose="020B0604020202020204" pitchFamily="34" charset="0"/>
+              <a:buChar char="•"/>
+            </a:pPr>
+            <a:r>
+              <a:rPr lang="en-GB" sz="2000" b="1" dirty="0"/>
+              <a:t>The difference between streams </a:t>
+            </a:r>
+            <a:r>
+              <a:rPr lang="en-GB" sz="2000" dirty="0"/>
+              <a:t>is given by each line.</a:t>
             </a:r>
             <a:endParaRPr lang="pt-PT" sz="2000" dirty="0"/>
           </a:p>
@@ -7358,10 +7256,46 @@
           </a:extLst>
         </p:spPr>
       </p:pic>
+      <p:pic>
+        <p:nvPicPr>
+          <p:cNvPr id="4" name="Imagem 3">
+            <a:extLst>
+              <a:ext uri="{FF2B5EF4-FFF2-40B4-BE49-F238E27FC236}">
+                <a16:creationId xmlns:a16="http://schemas.microsoft.com/office/drawing/2014/main" id="{3871D460-6BA9-384F-A588-CBF1E11A5E66}"/>
+              </a:ext>
+            </a:extLst>
+          </p:cNvPr>
+          <p:cNvPicPr>
+            <a:picLocks noChangeAspect="1"/>
+          </p:cNvPicPr>
+          <p:nvPr/>
+        </p:nvPicPr>
+        <p:blipFill>
+          <a:blip r:embed="rId4">
+            <a:extLst>
+              <a:ext uri="{28A0092B-C50C-407E-A947-70E740481C1C}">
+                <a14:useLocalDpi xmlns:a14="http://schemas.microsoft.com/office/drawing/2010/main" val="0"/>
+              </a:ext>
+            </a:extLst>
+          </a:blip>
+          <a:stretch>
+            <a:fillRect/>
+          </a:stretch>
+        </p:blipFill>
+        <p:spPr>
+          <a:xfrm>
+            <a:off x="2987824" y="2362867"/>
+            <a:ext cx="1862351" cy="1500882"/>
+          </a:xfrm>
+          <a:prstGeom prst="rect">
+            <a:avLst/>
+          </a:prstGeom>
+        </p:spPr>
+      </p:pic>
     </p:spTree>
     <p:extLst>
       <p:ext uri="{BB962C8B-B14F-4D97-AF65-F5344CB8AC3E}">
-        <p14:creationId xmlns:p14="http://schemas.microsoft.com/office/powerpoint/2010/main" val="3976051804"/>
+        <p14:creationId xmlns:p14="http://schemas.microsoft.com/office/powerpoint/2010/main" val="3493908367"/>
       </p:ext>
     </p:extLst>
   </p:cSld>
@@ -7496,8 +7430,8 @@
         </p:nvSpPr>
         <p:spPr bwMode="auto">
           <a:xfrm>
-            <a:off x="4589848" y="1901015"/>
-            <a:ext cx="4295384" cy="3785652"/>
+            <a:off x="4589848" y="2054903"/>
+            <a:ext cx="4295384" cy="3477875"/>
           </a:xfrm>
           <a:prstGeom prst="rect">
             <a:avLst/>
@@ -7561,12 +7495,12 @@
               <a:buChar char="•"/>
             </a:pPr>
             <a:r>
-              <a:rPr lang="en-US" sz="2000" b="1" dirty="0"/>
-              <a:t>Identify how songs perform by country </a:t>
-            </a:r>
-            <a:r>
-              <a:rPr lang="en-US" sz="2000" dirty="0"/>
-              <a:t>by analyzing the lines with the same color</a:t>
+              <a:rPr lang="en-GB" sz="2000" b="1" dirty="0"/>
+              <a:t>The songs and its number of streams </a:t>
+            </a:r>
+            <a:r>
+              <a:rPr lang="en-GB" sz="2000" dirty="0"/>
+              <a:t>is given by the height in relation to the left axis;</a:t>
             </a:r>
             <a:endParaRPr lang="pt-PT" sz="2000" dirty="0"/>
           </a:p>
@@ -7576,12 +7510,12 @@
               <a:buChar char="•"/>
             </a:pPr>
             <a:r>
-              <a:rPr lang="en-US" sz="2000" b="1" dirty="0"/>
-              <a:t>Compare the streaming numbers of multiple countries by day </a:t>
-            </a:r>
-            <a:r>
-              <a:rPr lang="en-US" sz="2000" dirty="0"/>
-              <a:t>by analyzing the line behavior</a:t>
+              <a:rPr lang="en-GB" sz="2000" b="1" dirty="0"/>
+              <a:t>The dates </a:t>
+            </a:r>
+            <a:r>
+              <a:rPr lang="en-GB" sz="2000" dirty="0"/>
+              <a:t>are given by the bottom axis;</a:t>
             </a:r>
             <a:endParaRPr lang="pt-PT" sz="2000" dirty="0"/>
           </a:p>
@@ -7591,12 +7525,27 @@
               <a:buChar char="•"/>
             </a:pPr>
             <a:r>
-              <a:rPr lang="en-US" sz="2000" b="1" dirty="0"/>
-              <a:t>Analyze how weather conditions influence the number of streams </a:t>
-            </a:r>
-            <a:r>
-              <a:rPr lang="en-US" sz="2000" dirty="0"/>
-              <a:t>by hovering on the dots</a:t>
+              <a:rPr lang="en-GB" sz="2000" b="1" dirty="0"/>
+              <a:t>The number of streams of a given song on a country and day </a:t>
+            </a:r>
+            <a:r>
+              <a:rPr lang="en-GB" sz="2000" dirty="0"/>
+              <a:t>is given by a dot;</a:t>
+            </a:r>
+            <a:endParaRPr lang="pt-PT" sz="2000" dirty="0"/>
+          </a:p>
+          <a:p>
+            <a:pPr marL="800100" lvl="1" indent="-342900">
+              <a:buFont typeface="Arial" panose="020B0604020202020204" pitchFamily="34" charset="0"/>
+              <a:buChar char="•"/>
+            </a:pPr>
+            <a:r>
+              <a:rPr lang="en-GB" sz="2000" b="1" dirty="0"/>
+              <a:t>The difference between streams </a:t>
+            </a:r>
+            <a:r>
+              <a:rPr lang="en-GB" sz="2000" dirty="0"/>
+              <a:t>is given by each line.</a:t>
             </a:r>
             <a:endParaRPr lang="pt-PT" sz="2000" dirty="0"/>
           </a:p>
@@ -7640,7 +7589,7 @@
     </p:spTree>
     <p:extLst>
       <p:ext uri="{BB962C8B-B14F-4D97-AF65-F5344CB8AC3E}">
-        <p14:creationId xmlns:p14="http://schemas.microsoft.com/office/powerpoint/2010/main" val="584551992"/>
+        <p14:creationId xmlns:p14="http://schemas.microsoft.com/office/powerpoint/2010/main" val="629887573"/>
       </p:ext>
     </p:extLst>
   </p:cSld>
@@ -7775,8 +7724,8 @@
         </p:nvSpPr>
         <p:spPr bwMode="auto">
           <a:xfrm>
-            <a:off x="4589848" y="1901017"/>
-            <a:ext cx="4295384" cy="3785652"/>
+            <a:off x="4211960" y="977686"/>
+            <a:ext cx="4932040" cy="5632311"/>
           </a:xfrm>
           <a:prstGeom prst="rect">
             <a:avLst/>
@@ -7840,28 +7789,12 @@
               <a:buChar char="•"/>
             </a:pPr>
             <a:r>
-              <a:rPr lang="en-US" sz="2000" b="1" dirty="0"/>
-              <a:t>Analyze how weather conditions influence the song ranking </a:t>
-            </a:r>
-            <a:r>
-              <a:rPr lang="en-US" sz="2000" dirty="0"/>
-              <a:t>by analyzing the 2</a:t>
-            </a:r>
-            <a:r>
-              <a:rPr lang="en-US" sz="2000" baseline="30000" dirty="0"/>
-              <a:t>nd</a:t>
-            </a:r>
-            <a:r>
-              <a:rPr lang="en-US" sz="2000" dirty="0"/>
-              <a:t> and 3</a:t>
-            </a:r>
-            <a:r>
-              <a:rPr lang="en-US" sz="2000" baseline="30000" dirty="0"/>
-              <a:t>rd</a:t>
-            </a:r>
-            <a:r>
-              <a:rPr lang="en-US" sz="2000" dirty="0"/>
-              <a:t> ring</a:t>
+              <a:rPr lang="en-GB" sz="2000" b="1" dirty="0"/>
+              <a:t>The countries selected </a:t>
+            </a:r>
+            <a:r>
+              <a:rPr lang="en-GB" sz="2000" dirty="0"/>
+              <a:t>are given in the first ring;</a:t>
             </a:r>
             <a:endParaRPr lang="pt-PT" sz="2000" dirty="0"/>
           </a:p>
@@ -7871,12 +7804,12 @@
               <a:buChar char="•"/>
             </a:pPr>
             <a:r>
-              <a:rPr lang="en-US" sz="2000" b="1" dirty="0"/>
-              <a:t>Identify the number of streams </a:t>
-            </a:r>
-            <a:r>
-              <a:rPr lang="en-US" sz="2000" dirty="0"/>
-              <a:t>by looking at the center of the ring</a:t>
+              <a:rPr lang="en-GB" sz="2000" b="1" dirty="0"/>
+              <a:t>The weather conditions and its combinations </a:t>
+            </a:r>
+            <a:r>
+              <a:rPr lang="en-GB" sz="2000" dirty="0"/>
+              <a:t>are given on the second ring;</a:t>
             </a:r>
             <a:endParaRPr lang="pt-PT" sz="2000" dirty="0"/>
           </a:p>
@@ -7886,14 +7819,81 @@
               <a:buChar char="•"/>
             </a:pPr>
             <a:r>
-              <a:rPr lang="en-US" sz="2000" b="1" dirty="0"/>
-              <a:t>Discover the most listened songs given a weather condition </a:t>
-            </a:r>
-            <a:r>
-              <a:rPr lang="en-US" sz="2000" dirty="0"/>
-              <a:t>by clicking in the desired weather condition</a:t>
-            </a:r>
-            <a:endParaRPr lang="pt-PT" sz="2400" dirty="0"/>
+              <a:rPr lang="en-GB" sz="2000" b="1" dirty="0"/>
+              <a:t>The artist information </a:t>
+            </a:r>
+            <a:r>
+              <a:rPr lang="en-GB" sz="2000" dirty="0"/>
+              <a:t>is given on the third ring with a different colour tone;</a:t>
+            </a:r>
+          </a:p>
+          <a:p>
+            <a:pPr marL="800100" lvl="1" indent="-342900">
+              <a:buFont typeface="Arial" panose="020B0604020202020204" pitchFamily="34" charset="0"/>
+              <a:buChar char="•"/>
+            </a:pPr>
+            <a:r>
+              <a:rPr lang="en-GB" sz="2000" b="1" dirty="0"/>
+              <a:t>The song information </a:t>
+            </a:r>
+            <a:r>
+              <a:rPr lang="en-GB" sz="2000" dirty="0"/>
+              <a:t>is given on </a:t>
+            </a:r>
+            <a:r>
+              <a:rPr lang="en-GB" sz="2000"/>
+              <a:t>the fourth </a:t>
+            </a:r>
+            <a:r>
+              <a:rPr lang="en-GB" sz="2000" dirty="0"/>
+              <a:t>ring with a different colour tone;</a:t>
+            </a:r>
+            <a:endParaRPr lang="pt-PT" sz="2000" dirty="0"/>
+          </a:p>
+          <a:p>
+            <a:pPr marL="800100" lvl="1" indent="-342900">
+              <a:buFont typeface="Arial" panose="020B0604020202020204" pitchFamily="34" charset="0"/>
+              <a:buChar char="•"/>
+            </a:pPr>
+            <a:r>
+              <a:rPr lang="en-GB" sz="2000" b="1" dirty="0"/>
+              <a:t>The total number of streams </a:t>
+            </a:r>
+            <a:r>
+              <a:rPr lang="en-GB" sz="2000" dirty="0"/>
+              <a:t>is given on the centre of the sunburst;</a:t>
+            </a:r>
+            <a:endParaRPr lang="pt-PT" sz="2000" dirty="0"/>
+          </a:p>
+          <a:p>
+            <a:pPr marL="800100" lvl="1" indent="-342900">
+              <a:buFont typeface="Arial" panose="020B0604020202020204" pitchFamily="34" charset="0"/>
+              <a:buChar char="•"/>
+            </a:pPr>
+            <a:r>
+              <a:rPr lang="en-GB" sz="2000" b="1" dirty="0"/>
+              <a:t>The given data of each country </a:t>
+            </a:r>
+            <a:r>
+              <a:rPr lang="en-GB" sz="2000" dirty="0"/>
+              <a:t>is given by one different colour tone;</a:t>
+            </a:r>
+            <a:endParaRPr lang="pt-PT" sz="2000" dirty="0"/>
+          </a:p>
+          <a:p>
+            <a:pPr marL="800100" lvl="1" indent="-342900">
+              <a:buFont typeface="Arial" panose="020B0604020202020204" pitchFamily="34" charset="0"/>
+              <a:buChar char="•"/>
+            </a:pPr>
+            <a:r>
+              <a:rPr lang="en-GB" sz="2000" b="1" dirty="0"/>
+              <a:t>The given data of each weather condition </a:t>
+            </a:r>
+            <a:r>
+              <a:rPr lang="en-GB" sz="2000" dirty="0"/>
+              <a:t>is given by one different colour tone;</a:t>
+            </a:r>
+            <a:endParaRPr lang="pt-PT" sz="2000" dirty="0"/>
           </a:p>
         </p:txBody>
       </p:sp>
@@ -7935,7 +7935,7 @@
     </p:spTree>
     <p:extLst>
       <p:ext uri="{BB962C8B-B14F-4D97-AF65-F5344CB8AC3E}">
-        <p14:creationId xmlns:p14="http://schemas.microsoft.com/office/powerpoint/2010/main" val="1261075322"/>
+        <p14:creationId xmlns:p14="http://schemas.microsoft.com/office/powerpoint/2010/main" val="1491081717"/>
       </p:ext>
     </p:extLst>
   </p:cSld>

--- a/Lab 6/17.pptx
+++ b/Lab 6/17.pptx
@@ -706,6 +706,10 @@
           <a:bodyPr/>
           <a:lstStyle/>
           <a:p>
+            <a:r>
+              <a:rPr lang="en-US" baseline="0" dirty="0" err="1"/>
+              <a:t>Helio</a:t>
+            </a:r>
             <a:endParaRPr lang="en-US" baseline="0" dirty="0"/>
           </a:p>
         </p:txBody>
@@ -791,7 +795,10 @@
           <a:bodyPr/>
           <a:lstStyle/>
           <a:p>
-            <a:endParaRPr lang="en-US" baseline="0" dirty="0"/>
+            <a:r>
+              <a:rPr lang="en-US" baseline="0" dirty="0"/>
+              <a:t>Miguel</a:t>
+            </a:r>
           </a:p>
         </p:txBody>
       </p:sp>
@@ -876,6 +883,10 @@
           <a:bodyPr/>
           <a:lstStyle/>
           <a:p>
+            <a:r>
+              <a:rPr lang="en-US" baseline="0" dirty="0" err="1"/>
+              <a:t>aniP</a:t>
+            </a:r>
             <a:endParaRPr lang="en-US" baseline="0" dirty="0"/>
           </a:p>
         </p:txBody>
@@ -961,6 +972,10 @@
           <a:bodyPr/>
           <a:lstStyle/>
           <a:p>
+            <a:r>
+              <a:rPr lang="en-US" baseline="0" dirty="0" err="1"/>
+              <a:t>aniP</a:t>
+            </a:r>
             <a:endParaRPr lang="en-US" baseline="0" dirty="0"/>
           </a:p>
         </p:txBody>
@@ -1046,6 +1061,10 @@
           <a:bodyPr/>
           <a:lstStyle/>
           <a:p>
+            <a:r>
+              <a:rPr lang="en-US" baseline="0" dirty="0" err="1"/>
+              <a:t>Helio</a:t>
+            </a:r>
             <a:endParaRPr lang="en-US" baseline="0" dirty="0"/>
           </a:p>
         </p:txBody>
@@ -1131,7 +1150,10 @@
           <a:bodyPr/>
           <a:lstStyle/>
           <a:p>
-            <a:endParaRPr lang="en-US" baseline="0" dirty="0"/>
+            <a:r>
+              <a:rPr lang="en-US" baseline="0" dirty="0"/>
+              <a:t>Miguel</a:t>
+            </a:r>
           </a:p>
         </p:txBody>
       </p:sp>
@@ -1216,7 +1238,10 @@
           <a:bodyPr/>
           <a:lstStyle/>
           <a:p>
-            <a:endParaRPr lang="en-US" baseline="0" dirty="0"/>
+            <a:r>
+              <a:rPr lang="en-US" baseline="0" dirty="0"/>
+              <a:t>Miguel</a:t>
+            </a:r>
           </a:p>
         </p:txBody>
       </p:sp>
@@ -1301,6 +1326,10 @@
           <a:bodyPr/>
           <a:lstStyle/>
           <a:p>
+            <a:r>
+              <a:rPr lang="en-US" baseline="0" dirty="0" err="1"/>
+              <a:t>aniP</a:t>
+            </a:r>
             <a:endParaRPr lang="en-US" baseline="0" dirty="0"/>
           </a:p>
         </p:txBody>
@@ -1386,6 +1415,10 @@
           <a:bodyPr/>
           <a:lstStyle/>
           <a:p>
+            <a:r>
+              <a:rPr lang="en-US" baseline="0" dirty="0" err="1"/>
+              <a:t>aniP</a:t>
+            </a:r>
             <a:endParaRPr lang="en-US" baseline="0" dirty="0"/>
           </a:p>
         </p:txBody>
@@ -1471,6 +1504,10 @@
           <a:bodyPr/>
           <a:lstStyle/>
           <a:p>
+            <a:r>
+              <a:rPr lang="en-US" baseline="0" dirty="0" err="1"/>
+              <a:t>Hélio</a:t>
+            </a:r>
             <a:endParaRPr lang="en-US" baseline="0" dirty="0"/>
           </a:p>
         </p:txBody>
@@ -1556,6 +1593,10 @@
           <a:bodyPr/>
           <a:lstStyle/>
           <a:p>
+            <a:r>
+              <a:rPr lang="en-US" baseline="0" dirty="0" err="1"/>
+              <a:t>Hélio</a:t>
+            </a:r>
             <a:endParaRPr lang="en-US" baseline="0" dirty="0"/>
           </a:p>
         </p:txBody>
@@ -1641,7 +1682,10 @@
           <a:bodyPr/>
           <a:lstStyle/>
           <a:p>
-            <a:endParaRPr lang="en-US" baseline="0" dirty="0"/>
+            <a:r>
+              <a:rPr lang="en-US" baseline="0" dirty="0"/>
+              <a:t>Miguel</a:t>
+            </a:r>
           </a:p>
         </p:txBody>
       </p:sp>
